--- a/DoVanHau_T3H.pptx
+++ b/DoVanHau_T3H.pptx
@@ -4,6 +4,9 @@
   <p:sldMasterIdLst>
     <p:sldMasterId id="2147483648" r:id="rId1"/>
   </p:sldMasterIdLst>
+  <p:notesMasterIdLst>
+    <p:notesMasterId r:id="rId11"/>
+  </p:notesMasterIdLst>
   <p:sldIdLst>
     <p:sldId id="256" r:id="rId2"/>
     <p:sldId id="257" r:id="rId3"/>
@@ -120,6 +123,440 @@
 </p:presentation>
 </file>
 
+<file path=ppt/notesMasters/notesMaster1.xml><?xml version="1.0" encoding="utf-8"?>
+<p:notesMaster xmlns:a="http://schemas.openxmlformats.org/drawingml/2006/main" xmlns:r="http://schemas.openxmlformats.org/officeDocument/2006/relationships" xmlns:p="http://schemas.openxmlformats.org/presentationml/2006/main">
+  <p:cSld>
+    <p:bg>
+      <p:bgRef idx="1001">
+        <a:schemeClr val="bg1"/>
+      </p:bgRef>
+    </p:bg>
+    <p:spTree>
+      <p:nvGrpSpPr>
+        <p:cNvPr id="1" name=""/>
+        <p:cNvGrpSpPr/>
+        <p:nvPr/>
+      </p:nvGrpSpPr>
+      <p:grpSpPr>
+        <a:xfrm>
+          <a:off x="0" y="0"/>
+          <a:ext cx="0" cy="0"/>
+          <a:chOff x="0" y="0"/>
+          <a:chExt cx="0" cy="0"/>
+        </a:xfrm>
+      </p:grpSpPr>
+      <p:sp>
+        <p:nvSpPr>
+          <p:cNvPr id="2" name="Header Placeholder 1"/>
+          <p:cNvSpPr>
+            <a:spLocks noGrp="1"/>
+          </p:cNvSpPr>
+          <p:nvPr>
+            <p:ph type="hdr" sz="quarter"/>
+          </p:nvPr>
+        </p:nvSpPr>
+        <p:spPr>
+          <a:xfrm>
+            <a:off x="0" y="0"/>
+            <a:ext cx="2971800" cy="458788"/>
+          </a:xfrm>
+          <a:prstGeom prst="rect">
+            <a:avLst/>
+          </a:prstGeom>
+        </p:spPr>
+        <p:txBody>
+          <a:bodyPr vert="horz" lIns="91440" tIns="45720" rIns="91440" bIns="45720" rtlCol="0"/>
+          <a:lstStyle>
+            <a:lvl1pPr algn="l">
+              <a:defRPr sz="1200"/>
+            </a:lvl1pPr>
+          </a:lstStyle>
+          <a:p>
+            <a:endParaRPr lang="en-US"/>
+          </a:p>
+        </p:txBody>
+      </p:sp>
+      <p:sp>
+        <p:nvSpPr>
+          <p:cNvPr id="3" name="Date Placeholder 2"/>
+          <p:cNvSpPr>
+            <a:spLocks noGrp="1"/>
+          </p:cNvSpPr>
+          <p:nvPr>
+            <p:ph type="dt" idx="1"/>
+          </p:nvPr>
+        </p:nvSpPr>
+        <p:spPr>
+          <a:xfrm>
+            <a:off x="3884613" y="0"/>
+            <a:ext cx="2971800" cy="458788"/>
+          </a:xfrm>
+          <a:prstGeom prst="rect">
+            <a:avLst/>
+          </a:prstGeom>
+        </p:spPr>
+        <p:txBody>
+          <a:bodyPr vert="horz" lIns="91440" tIns="45720" rIns="91440" bIns="45720" rtlCol="0"/>
+          <a:lstStyle>
+            <a:lvl1pPr algn="r">
+              <a:defRPr sz="1200"/>
+            </a:lvl1pPr>
+          </a:lstStyle>
+          <a:p>
+            <a:fld id="{D3F56478-A0B2-403B-B07E-3A9C3F687C2F}" type="datetimeFigureOut">
+              <a:rPr lang="en-US" smtClean="0"/>
+              <a:t>8/8/2022</a:t>
+            </a:fld>
+            <a:endParaRPr lang="en-US"/>
+          </a:p>
+        </p:txBody>
+      </p:sp>
+      <p:sp>
+        <p:nvSpPr>
+          <p:cNvPr id="4" name="Slide Image Placeholder 3"/>
+          <p:cNvSpPr>
+            <a:spLocks noGrp="1" noRot="1" noChangeAspect="1"/>
+          </p:cNvSpPr>
+          <p:nvPr>
+            <p:ph type="sldImg" idx="2"/>
+          </p:nvPr>
+        </p:nvSpPr>
+        <p:spPr>
+          <a:xfrm>
+            <a:off x="685800" y="1143000"/>
+            <a:ext cx="5486400" cy="3086100"/>
+          </a:xfrm>
+          <a:prstGeom prst="rect">
+            <a:avLst/>
+          </a:prstGeom>
+          <a:noFill/>
+          <a:ln w="12700">
+            <a:solidFill>
+              <a:prstClr val="black"/>
+            </a:solidFill>
+          </a:ln>
+        </p:spPr>
+        <p:txBody>
+          <a:bodyPr vert="horz" lIns="91440" tIns="45720" rIns="91440" bIns="45720" rtlCol="0" anchor="ctr"/>
+          <a:lstStyle/>
+          <a:p>
+            <a:endParaRPr lang="en-US"/>
+          </a:p>
+        </p:txBody>
+      </p:sp>
+      <p:sp>
+        <p:nvSpPr>
+          <p:cNvPr id="5" name="Notes Placeholder 4"/>
+          <p:cNvSpPr>
+            <a:spLocks noGrp="1"/>
+          </p:cNvSpPr>
+          <p:nvPr>
+            <p:ph type="body" sz="quarter" idx="3"/>
+          </p:nvPr>
+        </p:nvSpPr>
+        <p:spPr>
+          <a:xfrm>
+            <a:off x="685800" y="4400550"/>
+            <a:ext cx="5486400" cy="3600450"/>
+          </a:xfrm>
+          <a:prstGeom prst="rect">
+            <a:avLst/>
+          </a:prstGeom>
+        </p:spPr>
+        <p:txBody>
+          <a:bodyPr vert="horz" lIns="91440" tIns="45720" rIns="91440" bIns="45720" rtlCol="0"/>
+          <a:lstStyle/>
+          <a:p>
+            <a:pPr lvl="0"/>
+            <a:r>
+              <a:rPr lang="en-US" smtClean="0"/>
+              <a:t>Edit Master text styles</a:t>
+            </a:r>
+          </a:p>
+          <a:p>
+            <a:pPr lvl="1"/>
+            <a:r>
+              <a:rPr lang="en-US" smtClean="0"/>
+              <a:t>Second level</a:t>
+            </a:r>
+          </a:p>
+          <a:p>
+            <a:pPr lvl="2"/>
+            <a:r>
+              <a:rPr lang="en-US" smtClean="0"/>
+              <a:t>Third level</a:t>
+            </a:r>
+          </a:p>
+          <a:p>
+            <a:pPr lvl="3"/>
+            <a:r>
+              <a:rPr lang="en-US" smtClean="0"/>
+              <a:t>Fourth level</a:t>
+            </a:r>
+          </a:p>
+          <a:p>
+            <a:pPr lvl="4"/>
+            <a:r>
+              <a:rPr lang="en-US" smtClean="0"/>
+              <a:t>Fifth level</a:t>
+            </a:r>
+            <a:endParaRPr lang="en-US"/>
+          </a:p>
+        </p:txBody>
+      </p:sp>
+      <p:sp>
+        <p:nvSpPr>
+          <p:cNvPr id="6" name="Footer Placeholder 5"/>
+          <p:cNvSpPr>
+            <a:spLocks noGrp="1"/>
+          </p:cNvSpPr>
+          <p:nvPr>
+            <p:ph type="ftr" sz="quarter" idx="4"/>
+          </p:nvPr>
+        </p:nvSpPr>
+        <p:spPr>
+          <a:xfrm>
+            <a:off x="0" y="8685213"/>
+            <a:ext cx="2971800" cy="458787"/>
+          </a:xfrm>
+          <a:prstGeom prst="rect">
+            <a:avLst/>
+          </a:prstGeom>
+        </p:spPr>
+        <p:txBody>
+          <a:bodyPr vert="horz" lIns="91440" tIns="45720" rIns="91440" bIns="45720" rtlCol="0" anchor="b"/>
+          <a:lstStyle>
+            <a:lvl1pPr algn="l">
+              <a:defRPr sz="1200"/>
+            </a:lvl1pPr>
+          </a:lstStyle>
+          <a:p>
+            <a:endParaRPr lang="en-US"/>
+          </a:p>
+        </p:txBody>
+      </p:sp>
+      <p:sp>
+        <p:nvSpPr>
+          <p:cNvPr id="7" name="Slide Number Placeholder 6"/>
+          <p:cNvSpPr>
+            <a:spLocks noGrp="1"/>
+          </p:cNvSpPr>
+          <p:nvPr>
+            <p:ph type="sldNum" sz="quarter" idx="5"/>
+          </p:nvPr>
+        </p:nvSpPr>
+        <p:spPr>
+          <a:xfrm>
+            <a:off x="3884613" y="8685213"/>
+            <a:ext cx="2971800" cy="458787"/>
+          </a:xfrm>
+          <a:prstGeom prst="rect">
+            <a:avLst/>
+          </a:prstGeom>
+        </p:spPr>
+        <p:txBody>
+          <a:bodyPr vert="horz" lIns="91440" tIns="45720" rIns="91440" bIns="45720" rtlCol="0" anchor="b"/>
+          <a:lstStyle>
+            <a:lvl1pPr algn="r">
+              <a:defRPr sz="1200"/>
+            </a:lvl1pPr>
+          </a:lstStyle>
+          <a:p>
+            <a:fld id="{C0031AEF-EB74-484B-B81A-1966FF9CFAE5}" type="slidenum">
+              <a:rPr lang="en-US" smtClean="0"/>
+              <a:t>‹#›</a:t>
+            </a:fld>
+            <a:endParaRPr lang="en-US"/>
+          </a:p>
+        </p:txBody>
+      </p:sp>
+    </p:spTree>
+    <p:extLst>
+      <p:ext uri="{BB962C8B-B14F-4D97-AF65-F5344CB8AC3E}">
+        <p14:creationId xmlns:p14="http://schemas.microsoft.com/office/powerpoint/2010/main" val="2422590938"/>
+      </p:ext>
+    </p:extLst>
+  </p:cSld>
+  <p:clrMap bg1="lt1" tx1="dk1" bg2="lt2" tx2="dk2" accent1="accent1" accent2="accent2" accent3="accent3" accent4="accent4" accent5="accent5" accent6="accent6" hlink="hlink" folHlink="folHlink"/>
+  <p:notesStyle>
+    <a:lvl1pPr marL="0" algn="l" defTabSz="914400" rtl="0" eaLnBrk="1" latinLnBrk="0" hangingPunct="1">
+      <a:defRPr sz="1200" kern="1200">
+        <a:solidFill>
+          <a:schemeClr val="tx1"/>
+        </a:solidFill>
+        <a:latin typeface="+mn-lt"/>
+        <a:ea typeface="+mn-ea"/>
+        <a:cs typeface="+mn-cs"/>
+      </a:defRPr>
+    </a:lvl1pPr>
+    <a:lvl2pPr marL="457200" algn="l" defTabSz="914400" rtl="0" eaLnBrk="1" latinLnBrk="0" hangingPunct="1">
+      <a:defRPr sz="1200" kern="1200">
+        <a:solidFill>
+          <a:schemeClr val="tx1"/>
+        </a:solidFill>
+        <a:latin typeface="+mn-lt"/>
+        <a:ea typeface="+mn-ea"/>
+        <a:cs typeface="+mn-cs"/>
+      </a:defRPr>
+    </a:lvl2pPr>
+    <a:lvl3pPr marL="914400" algn="l" defTabSz="914400" rtl="0" eaLnBrk="1" latinLnBrk="0" hangingPunct="1">
+      <a:defRPr sz="1200" kern="1200">
+        <a:solidFill>
+          <a:schemeClr val="tx1"/>
+        </a:solidFill>
+        <a:latin typeface="+mn-lt"/>
+        <a:ea typeface="+mn-ea"/>
+        <a:cs typeface="+mn-cs"/>
+      </a:defRPr>
+    </a:lvl3pPr>
+    <a:lvl4pPr marL="1371600" algn="l" defTabSz="914400" rtl="0" eaLnBrk="1" latinLnBrk="0" hangingPunct="1">
+      <a:defRPr sz="1200" kern="1200">
+        <a:solidFill>
+          <a:schemeClr val="tx1"/>
+        </a:solidFill>
+        <a:latin typeface="+mn-lt"/>
+        <a:ea typeface="+mn-ea"/>
+        <a:cs typeface="+mn-cs"/>
+      </a:defRPr>
+    </a:lvl4pPr>
+    <a:lvl5pPr marL="1828800" algn="l" defTabSz="914400" rtl="0" eaLnBrk="1" latinLnBrk="0" hangingPunct="1">
+      <a:defRPr sz="1200" kern="1200">
+        <a:solidFill>
+          <a:schemeClr val="tx1"/>
+        </a:solidFill>
+        <a:latin typeface="+mn-lt"/>
+        <a:ea typeface="+mn-ea"/>
+        <a:cs typeface="+mn-cs"/>
+      </a:defRPr>
+    </a:lvl5pPr>
+    <a:lvl6pPr marL="2286000" algn="l" defTabSz="914400" rtl="0" eaLnBrk="1" latinLnBrk="0" hangingPunct="1">
+      <a:defRPr sz="1200" kern="1200">
+        <a:solidFill>
+          <a:schemeClr val="tx1"/>
+        </a:solidFill>
+        <a:latin typeface="+mn-lt"/>
+        <a:ea typeface="+mn-ea"/>
+        <a:cs typeface="+mn-cs"/>
+      </a:defRPr>
+    </a:lvl6pPr>
+    <a:lvl7pPr marL="2743200" algn="l" defTabSz="914400" rtl="0" eaLnBrk="1" latinLnBrk="0" hangingPunct="1">
+      <a:defRPr sz="1200" kern="1200">
+        <a:solidFill>
+          <a:schemeClr val="tx1"/>
+        </a:solidFill>
+        <a:latin typeface="+mn-lt"/>
+        <a:ea typeface="+mn-ea"/>
+        <a:cs typeface="+mn-cs"/>
+      </a:defRPr>
+    </a:lvl7pPr>
+    <a:lvl8pPr marL="3200400" algn="l" defTabSz="914400" rtl="0" eaLnBrk="1" latinLnBrk="0" hangingPunct="1">
+      <a:defRPr sz="1200" kern="1200">
+        <a:solidFill>
+          <a:schemeClr val="tx1"/>
+        </a:solidFill>
+        <a:latin typeface="+mn-lt"/>
+        <a:ea typeface="+mn-ea"/>
+        <a:cs typeface="+mn-cs"/>
+      </a:defRPr>
+    </a:lvl8pPr>
+    <a:lvl9pPr marL="3657600" algn="l" defTabSz="914400" rtl="0" eaLnBrk="1" latinLnBrk="0" hangingPunct="1">
+      <a:defRPr sz="1200" kern="1200">
+        <a:solidFill>
+          <a:schemeClr val="tx1"/>
+        </a:solidFill>
+        <a:latin typeface="+mn-lt"/>
+        <a:ea typeface="+mn-ea"/>
+        <a:cs typeface="+mn-cs"/>
+      </a:defRPr>
+    </a:lvl9pPr>
+  </p:notesStyle>
+</p:notesMaster>
+</file>
+
+<file path=ppt/notesSlides/notesSlide1.xml><?xml version="1.0" encoding="utf-8"?>
+<p:notes xmlns:a="http://schemas.openxmlformats.org/drawingml/2006/main" xmlns:r="http://schemas.openxmlformats.org/officeDocument/2006/relationships" xmlns:p="http://schemas.openxmlformats.org/presentationml/2006/main">
+  <p:cSld>
+    <p:spTree>
+      <p:nvGrpSpPr>
+        <p:cNvPr id="1" name=""/>
+        <p:cNvGrpSpPr/>
+        <p:nvPr/>
+      </p:nvGrpSpPr>
+      <p:grpSpPr>
+        <a:xfrm>
+          <a:off x="0" y="0"/>
+          <a:ext cx="0" cy="0"/>
+          <a:chOff x="0" y="0"/>
+          <a:chExt cx="0" cy="0"/>
+        </a:xfrm>
+      </p:grpSpPr>
+      <p:sp>
+        <p:nvSpPr>
+          <p:cNvPr id="2" name="Slide Image Placeholder 1"/>
+          <p:cNvSpPr>
+            <a:spLocks noGrp="1" noRot="1" noChangeAspect="1"/>
+          </p:cNvSpPr>
+          <p:nvPr>
+            <p:ph type="sldImg"/>
+          </p:nvPr>
+        </p:nvSpPr>
+        <p:spPr/>
+      </p:sp>
+      <p:sp>
+        <p:nvSpPr>
+          <p:cNvPr id="3" name="Notes Placeholder 2"/>
+          <p:cNvSpPr>
+            <a:spLocks noGrp="1"/>
+          </p:cNvSpPr>
+          <p:nvPr>
+            <p:ph type="body" idx="1"/>
+          </p:nvPr>
+        </p:nvSpPr>
+        <p:spPr/>
+        <p:txBody>
+          <a:bodyPr/>
+          <a:lstStyle/>
+          <a:p>
+            <a:endParaRPr lang="en-US" dirty="0"/>
+          </a:p>
+        </p:txBody>
+      </p:sp>
+      <p:sp>
+        <p:nvSpPr>
+          <p:cNvPr id="4" name="Slide Number Placeholder 3"/>
+          <p:cNvSpPr>
+            <a:spLocks noGrp="1"/>
+          </p:cNvSpPr>
+          <p:nvPr>
+            <p:ph type="sldNum" sz="quarter" idx="10"/>
+          </p:nvPr>
+        </p:nvSpPr>
+        <p:spPr/>
+        <p:txBody>
+          <a:bodyPr/>
+          <a:lstStyle/>
+          <a:p>
+            <a:fld id="{C0031AEF-EB74-484B-B81A-1966FF9CFAE5}" type="slidenum">
+              <a:rPr lang="en-US" smtClean="0"/>
+              <a:t>6</a:t>
+            </a:fld>
+            <a:endParaRPr lang="en-US"/>
+          </a:p>
+        </p:txBody>
+      </p:sp>
+    </p:spTree>
+    <p:extLst>
+      <p:ext uri="{BB962C8B-B14F-4D97-AF65-F5344CB8AC3E}">
+        <p14:creationId xmlns:p14="http://schemas.microsoft.com/office/powerpoint/2010/main" val="3902086637"/>
+      </p:ext>
+    </p:extLst>
+  </p:cSld>
+  <p:clrMapOvr>
+    <a:masterClrMapping/>
+  </p:clrMapOvr>
+</p:notes>
+</file>
+
 <file path=ppt/slideLayouts/slideLayout1.xml><?xml version="1.0" encoding="utf-8"?>
 <p:sldLayout xmlns:a="http://schemas.openxmlformats.org/drawingml/2006/main" xmlns:r="http://schemas.openxmlformats.org/officeDocument/2006/relationships" xmlns:p="http://schemas.openxmlformats.org/presentationml/2006/main" type="title" preserve="1">
   <p:cSld name="Title Slide">
@@ -259,7 +696,7 @@
           <a:p>
             <a:fld id="{48A87A34-81AB-432B-8DAE-1953F412C126}" type="datetimeFigureOut">
               <a:rPr lang="en-US" dirty="0"/>
-              <a:t>7/28/2022</a:t>
+              <a:t>8/8/2022</a:t>
             </a:fld>
             <a:endParaRPr lang="en-US" dirty="0"/>
           </a:p>
@@ -465,7 +902,7 @@
           <a:p>
             <a:fld id="{48A87A34-81AB-432B-8DAE-1953F412C126}" type="datetimeFigureOut">
               <a:rPr lang="en-US" dirty="0"/>
-              <a:t>7/28/2022</a:t>
+              <a:t>8/8/2022</a:t>
             </a:fld>
             <a:endParaRPr lang="en-US" dirty="0"/>
           </a:p>
@@ -675,7 +1112,7 @@
           <a:p>
             <a:fld id="{48A87A34-81AB-432B-8DAE-1953F412C126}" type="datetimeFigureOut">
               <a:rPr lang="en-US" dirty="0"/>
-              <a:t>7/28/2022</a:t>
+              <a:t>8/8/2022</a:t>
             </a:fld>
             <a:endParaRPr lang="en-US" dirty="0"/>
           </a:p>
@@ -871,7 +1308,7 @@
           <a:p>
             <a:fld id="{48A87A34-81AB-432B-8DAE-1953F412C126}" type="datetimeFigureOut">
               <a:rPr lang="en-US" dirty="0"/>
-              <a:t>7/28/2022</a:t>
+              <a:t>8/8/2022</a:t>
             </a:fld>
             <a:endParaRPr lang="en-US" dirty="0"/>
           </a:p>
@@ -1145,7 +1582,7 @@
           <a:p>
             <a:fld id="{48A87A34-81AB-432B-8DAE-1953F412C126}" type="datetimeFigureOut">
               <a:rPr lang="en-US" dirty="0"/>
-              <a:t>7/28/2022</a:t>
+              <a:t>8/8/2022</a:t>
             </a:fld>
             <a:endParaRPr lang="en-US" dirty="0"/>
           </a:p>
@@ -1408,7 +1845,7 @@
           <a:p>
             <a:fld id="{48A87A34-81AB-432B-8DAE-1953F412C126}" type="datetimeFigureOut">
               <a:rPr lang="en-US" dirty="0"/>
-              <a:t>7/28/2022</a:t>
+              <a:t>8/8/2022</a:t>
             </a:fld>
             <a:endParaRPr lang="en-US" dirty="0"/>
           </a:p>
@@ -1819,7 +2256,7 @@
           <a:p>
             <a:fld id="{48A87A34-81AB-432B-8DAE-1953F412C126}" type="datetimeFigureOut">
               <a:rPr lang="en-US" dirty="0"/>
-              <a:t>7/28/2022</a:t>
+              <a:t>8/8/2022</a:t>
             </a:fld>
             <a:endParaRPr lang="en-US" dirty="0"/>
           </a:p>
@@ -1963,7 +2400,7 @@
           <a:p>
             <a:fld id="{48A87A34-81AB-432B-8DAE-1953F412C126}" type="datetimeFigureOut">
               <a:rPr lang="en-US" dirty="0"/>
-              <a:t>7/28/2022</a:t>
+              <a:t>8/8/2022</a:t>
             </a:fld>
             <a:endParaRPr lang="en-US" dirty="0"/>
           </a:p>
@@ -2084,7 +2521,7 @@
           <a:p>
             <a:fld id="{48A87A34-81AB-432B-8DAE-1953F412C126}" type="datetimeFigureOut">
               <a:rPr lang="en-US" dirty="0"/>
-              <a:t>7/28/2022</a:t>
+              <a:t>8/8/2022</a:t>
             </a:fld>
             <a:endParaRPr lang="en-US" dirty="0"/>
           </a:p>
@@ -2330,7 +2767,7 @@
           <a:p>
             <a:fld id="{48A87A34-81AB-432B-8DAE-1953F412C126}" type="datetimeFigureOut">
               <a:rPr lang="en-US" dirty="0"/>
-              <a:t>7/28/2022</a:t>
+              <a:t>8/8/2022</a:t>
             </a:fld>
             <a:endParaRPr lang="en-US" dirty="0"/>
           </a:p>
@@ -2771,7 +3208,7 @@
             <a:fld id="{48A87A34-81AB-432B-8DAE-1953F412C126}" type="datetimeFigureOut">
               <a:rPr lang="en-US" dirty="0"/>
               <a:pPr/>
-              <a:t>7/28/2022</a:t>
+              <a:t>8/8/2022</a:t>
             </a:fld>
             <a:endParaRPr lang="en-US" dirty="0"/>
           </a:p>
@@ -3093,7 +3530,7 @@
             <a:fld id="{48A87A34-81AB-432B-8DAE-1953F412C126}" type="datetimeFigureOut">
               <a:rPr lang="en-US" dirty="0"/>
               <a:pPr/>
-              <a:t>7/28/2022</a:t>
+              <a:t>8/8/2022</a:t>
             </a:fld>
             <a:endParaRPr lang="en-US" dirty="0"/>
           </a:p>
@@ -3741,13 +4178,13 @@
         </p:nvSpPr>
         <p:spPr>
           <a:xfrm>
-            <a:off x="1451579" y="2048719"/>
-            <a:ext cx="9603275" cy="3301879"/>
+            <a:off x="1" y="2048719"/>
+            <a:ext cx="12192000" cy="4809281"/>
           </a:xfrm>
         </p:spPr>
         <p:txBody>
           <a:bodyPr>
-            <a:normAutofit fontScale="92500" lnSpcReduction="10000"/>
+            <a:normAutofit/>
           </a:bodyPr>
           <a:lstStyle/>
           <a:p>
@@ -4027,14 +4464,7 @@
                 <a:latin typeface="Times New Roman" panose="02020603050405020304" pitchFamily="18" charset="0"/>
                 <a:cs typeface="Times New Roman" panose="02020603050405020304" pitchFamily="18" charset="0"/>
               </a:rPr>
-              <a:t> </a:t>
-            </a:r>
-            <a:r>
-              <a:rPr lang="en-US" b="1" i="1" dirty="0" smtClean="0">
-                <a:latin typeface="Times New Roman" panose="02020603050405020304" pitchFamily="18" charset="0"/>
-                <a:cs typeface="Times New Roman" panose="02020603050405020304" pitchFamily="18" charset="0"/>
-              </a:rPr>
-              <a:t>:</a:t>
+              <a:t> :</a:t>
             </a:r>
             <a:r>
               <a:rPr lang="en-US" dirty="0" smtClean="0">
@@ -4048,14 +4478,7 @@
                 <a:latin typeface="Segoe UI Semilight" panose="020B0402040204020203" pitchFamily="34" charset="0"/>
                 <a:cs typeface="Segoe UI Semilight" panose="020B0402040204020203" pitchFamily="34" charset="0"/>
               </a:rPr>
-              <a:t>R</a:t>
-            </a:r>
-            <a:r>
-              <a:rPr lang="en-US" dirty="0" err="1" smtClean="0">
-                <a:latin typeface="Segoe UI Semilight" panose="020B0402040204020203" pitchFamily="34" charset="0"/>
-                <a:cs typeface="Segoe UI Semilight" panose="020B0402040204020203" pitchFamily="34" charset="0"/>
-              </a:rPr>
-              <a:t>eactJs</a:t>
+              <a:t>ReactJs</a:t>
             </a:r>
             <a:r>
               <a:rPr lang="en-US" dirty="0">
@@ -4072,18 +4495,11 @@
               <a:t>antd</a:t>
             </a:r>
             <a:r>
-              <a:rPr lang="en-US" smtClean="0">
-                <a:latin typeface="Segoe UI Semilight" panose="020B0402040204020203" pitchFamily="34" charset="0"/>
-                <a:cs typeface="Segoe UI Semilight" panose="020B0402040204020203" pitchFamily="34" charset="0"/>
-              </a:rPr>
-              <a:t>, </a:t>
-            </a:r>
-            <a:r>
               <a:rPr lang="en-US" dirty="0" smtClean="0">
                 <a:latin typeface="Segoe UI Semilight" panose="020B0402040204020203" pitchFamily="34" charset="0"/>
                 <a:cs typeface="Segoe UI Semilight" panose="020B0402040204020203" pitchFamily="34" charset="0"/>
               </a:rPr>
-              <a:t>react-router-</a:t>
+              <a:t>, react-router-</a:t>
             </a:r>
             <a:r>
               <a:rPr lang="en-US" dirty="0" err="1" smtClean="0">
@@ -4126,6 +4542,13 @@
                 <a:cs typeface="Segoe UI Semilight" panose="020B0402040204020203" pitchFamily="34" charset="0"/>
               </a:rPr>
               <a:t>-saga … </a:t>
+            </a:r>
+            <a:r>
+              <a:rPr lang="en-US" dirty="0" smtClean="0">
+                <a:latin typeface="Segoe UI Semilight" panose="020B0402040204020203" pitchFamily="34" charset="0"/>
+                <a:cs typeface="Segoe UI Semilight" panose="020B0402040204020203" pitchFamily="34" charset="0"/>
+              </a:rPr>
+              <a:t>)</a:t>
             </a:r>
             <a:endParaRPr lang="vi-VN" b="1" i="1" dirty="0">
               <a:latin typeface="Times New Roman" panose="02020603050405020304" pitchFamily="18" charset="0"/>
@@ -4215,8 +4638,8 @@
         </p:blipFill>
         <p:spPr>
           <a:xfrm>
-            <a:off x="1250575" y="1853754"/>
-            <a:ext cx="9480177" cy="4197422"/>
+            <a:off x="0" y="1853753"/>
+            <a:ext cx="12192000" cy="5172277"/>
           </a:xfrm>
         </p:spPr>
       </p:pic>
@@ -4306,14 +4729,14 @@
           <p:nvPr>
             <p:extLst>
               <p:ext uri="{D42A27DB-BD31-4B8C-83A1-F6EECF244321}">
-                <p14:modId xmlns:p14="http://schemas.microsoft.com/office/powerpoint/2010/main" val="1734440715"/>
+                <p14:modId xmlns:p14="http://schemas.microsoft.com/office/powerpoint/2010/main" val="1114117818"/>
               </p:ext>
             </p:extLst>
           </p:nvPr>
         </p:nvGraphicFramePr>
         <p:xfrm>
-          <a:off x="1288474" y="1413164"/>
-          <a:ext cx="9766380" cy="4320292"/>
+          <a:off x="0" y="1413164"/>
+          <a:ext cx="12192000" cy="5456559"/>
         </p:xfrm>
         <a:graphic>
           <a:graphicData uri="http://schemas.openxmlformats.org/drawingml/2006/table">
@@ -4322,8 +4745,20 @@
                 <a:tableStyleId>{5C22544A-7EE6-4342-B048-85BDC9FD1C3A}</a:tableStyleId>
               </a:tblPr>
               <a:tblGrid>
-                <a:gridCol w="6817296"/>
-                <a:gridCol w="2949084"/>
+                <a:gridCol w="8510469">
+                  <a:extLst>
+                    <a:ext uri="{9D8B030D-6E8A-4147-A177-3AD203B41FA5}">
+                      <a16:colId xmlns:a16="http://schemas.microsoft.com/office/drawing/2014/main" val="20000"/>
+                    </a:ext>
+                  </a:extLst>
+                </a:gridCol>
+                <a:gridCol w="3681531">
+                  <a:extLst>
+                    <a:ext uri="{9D8B030D-6E8A-4147-A177-3AD203B41FA5}">
+                      <a16:colId xmlns:a16="http://schemas.microsoft.com/office/drawing/2014/main" val="20001"/>
+                    </a:ext>
+                  </a:extLst>
+                </a:gridCol>
               </a:tblGrid>
               <a:tr h="384711">
                 <a:tc>
@@ -4382,8 +4817,13 @@
                   </a:txBody>
                   <a:tcPr/>
                 </a:tc>
+                <a:extLst>
+                  <a:ext uri="{0D108BD9-81ED-4DB2-BD59-A6C34878D82A}">
+                    <a16:rowId xmlns:a16="http://schemas.microsoft.com/office/drawing/2014/main" val="10000"/>
+                  </a:ext>
+                </a:extLst>
               </a:tr>
-              <a:tr h="3924052">
+              <a:tr h="5060319">
                 <a:tc>
                   <a:txBody>
                     <a:bodyPr/>
@@ -5200,7 +5640,7 @@
                           <a:ea typeface="Times New Roman" charset="0"/>
                           <a:cs typeface="Times New Roman" charset="0"/>
                         </a:rPr>
-                        <a:t> hang , </a:t>
+                        <a:t> </a:t>
                       </a:r>
                       <a:r>
                         <a:rPr lang="en-US" sz="1600" baseline="0" dirty="0" err="1" smtClean="0">
@@ -5208,6 +5648,30 @@
                           <a:ea typeface="Times New Roman" charset="0"/>
                           <a:cs typeface="Times New Roman" charset="0"/>
                         </a:rPr>
+                        <a:t>hàng</a:t>
+                      </a:r>
+                      <a:r>
+                        <a:rPr lang="en-US" sz="1600" baseline="0" dirty="0" smtClean="0">
+                          <a:latin typeface="Times New Roman" charset="0"/>
+                          <a:ea typeface="Times New Roman" charset="0"/>
+                          <a:cs typeface="Times New Roman" charset="0"/>
+                        </a:rPr>
+                        <a:t> </a:t>
+                      </a:r>
+                      <a:r>
+                        <a:rPr lang="en-US" sz="1600" baseline="0" dirty="0" smtClean="0">
+                          <a:latin typeface="Times New Roman" charset="0"/>
+                          <a:ea typeface="Times New Roman" charset="0"/>
+                          <a:cs typeface="Times New Roman" charset="0"/>
+                        </a:rPr>
+                        <a:t>, </a:t>
+                      </a:r>
+                      <a:r>
+                        <a:rPr lang="en-US" sz="1600" baseline="0" dirty="0" err="1" smtClean="0">
+                          <a:latin typeface="Times New Roman" charset="0"/>
+                          <a:ea typeface="Times New Roman" charset="0"/>
+                          <a:cs typeface="Times New Roman" charset="0"/>
+                        </a:rPr>
                         <a:t>Tên</a:t>
                       </a:r>
                       <a:r>
@@ -5216,7 +5680,31 @@
                           <a:ea typeface="Times New Roman" charset="0"/>
                           <a:cs typeface="Times New Roman" charset="0"/>
                         </a:rPr>
-                        <a:t> hang ,</a:t>
+                        <a:t> </a:t>
+                      </a:r>
+                      <a:r>
+                        <a:rPr lang="en-US" sz="1600" baseline="0" dirty="0" err="1" smtClean="0">
+                          <a:latin typeface="Times New Roman" charset="0"/>
+                          <a:ea typeface="Times New Roman" charset="0"/>
+                          <a:cs typeface="Times New Roman" charset="0"/>
+                        </a:rPr>
+                        <a:t>hàng</a:t>
+                      </a:r>
+                      <a:r>
+                        <a:rPr lang="en-US" sz="1600" baseline="0" dirty="0" smtClean="0">
+                          <a:latin typeface="Times New Roman" charset="0"/>
+                          <a:ea typeface="Times New Roman" charset="0"/>
+                          <a:cs typeface="Times New Roman" charset="0"/>
+                        </a:rPr>
+                        <a:t> </a:t>
+                      </a:r>
+                      <a:r>
+                        <a:rPr lang="en-US" sz="1600" baseline="0" dirty="0" smtClean="0">
+                          <a:latin typeface="Times New Roman" charset="0"/>
+                          <a:ea typeface="Times New Roman" charset="0"/>
+                          <a:cs typeface="Times New Roman" charset="0"/>
+                        </a:rPr>
+                        <a:t>,</a:t>
                       </a:r>
                       <a:r>
                         <a:rPr lang="en-US" sz="1600" baseline="0" dirty="0" err="1" smtClean="0">
@@ -5542,6 +6030,14 @@
                         </a:rPr>
                         <a:t>nhiều</a:t>
                       </a:r>
+                      <a:r>
+                        <a:rPr lang="en-US" sz="1600" baseline="0" dirty="0" smtClean="0">
+                          <a:latin typeface="Times New Roman" charset="0"/>
+                          <a:ea typeface="Times New Roman" charset="0"/>
+                          <a:cs typeface="Times New Roman" charset="0"/>
+                        </a:rPr>
+                        <a:t> …</a:t>
+                      </a:r>
                       <a:endParaRPr lang="vi-VN" sz="1600" dirty="0">
                         <a:latin typeface="Times New Roman" charset="0"/>
                         <a:ea typeface="Times New Roman" charset="0"/>
@@ -5551,6 +6047,11 @@
                   </a:txBody>
                   <a:tcPr/>
                 </a:tc>
+                <a:extLst>
+                  <a:ext uri="{0D108BD9-81ED-4DB2-BD59-A6C34878D82A}">
+                    <a16:rowId xmlns:a16="http://schemas.microsoft.com/office/drawing/2014/main" val="10001"/>
+                  </a:ext>
+                </a:extLst>
               </a:tr>
             </a:tbl>
           </a:graphicData>
@@ -5623,7 +6124,7 @@
       </p:sp>
       <p:sp>
         <p:nvSpPr>
-          <p:cNvPr id="3" name="Content Placeholder 2"/>
+          <p:cNvPr id="5" name="Content Placeholder 4"/>
           <p:cNvSpPr>
             <a:spLocks noGrp="1"/>
           </p:cNvSpPr>
@@ -5642,7 +6143,7 @@
       </p:sp>
       <p:pic>
         <p:nvPicPr>
-          <p:cNvPr id="4" name="Picture 3"/>
+          <p:cNvPr id="6" name="Picture 5"/>
           <p:cNvPicPr>
             <a:picLocks noChangeAspect="1"/>
           </p:cNvPicPr>
@@ -5656,8 +6157,8 @@
         </p:blipFill>
         <p:spPr>
           <a:xfrm>
-            <a:off x="0" y="442912"/>
-            <a:ext cx="12188730" cy="5972175"/>
+            <a:off x="1" y="1227221"/>
+            <a:ext cx="12192000" cy="5650310"/>
           </a:xfrm>
           <a:prstGeom prst="rect">
             <a:avLst/>
@@ -5784,7 +6285,7 @@
           <p:nvPr/>
         </p:nvPicPr>
         <p:blipFill>
-          <a:blip r:embed="rId2"/>
+          <a:blip r:embed="rId3"/>
           <a:stretch>
             <a:fillRect/>
           </a:stretch>
@@ -5792,7 +6293,7 @@
         <p:spPr>
           <a:xfrm>
             <a:off x="1" y="1835970"/>
-            <a:ext cx="12192000" cy="4067175"/>
+            <a:ext cx="12192000" cy="5022030"/>
           </a:xfrm>
           <a:prstGeom prst="rect">
             <a:avLst/>
@@ -6045,7 +6546,7 @@
         <p:spPr>
           <a:xfrm>
             <a:off x="-1" y="1542197"/>
-            <a:ext cx="12192001" cy="4558352"/>
+            <a:ext cx="12192001" cy="5507280"/>
           </a:xfrm>
           <a:prstGeom prst="rect">
             <a:avLst/>
@@ -6422,4 +6923,265 @@
     </a:ext>
   </a:extLst>
 </a:theme>
+</file>
+
+<file path=ppt/theme/theme2.xml><?xml version="1.0" encoding="utf-8"?>
+<a:theme xmlns:a="http://schemas.openxmlformats.org/drawingml/2006/main" name="Office Theme">
+  <a:themeElements>
+    <a:clrScheme name="Office">
+      <a:dk1>
+        <a:sysClr val="windowText" lastClr="000000"/>
+      </a:dk1>
+      <a:lt1>
+        <a:sysClr val="window" lastClr="FFFFFF"/>
+      </a:lt1>
+      <a:dk2>
+        <a:srgbClr val="44546A"/>
+      </a:dk2>
+      <a:lt2>
+        <a:srgbClr val="E7E6E6"/>
+      </a:lt2>
+      <a:accent1>
+        <a:srgbClr val="5B9BD5"/>
+      </a:accent1>
+      <a:accent2>
+        <a:srgbClr val="ED7D31"/>
+      </a:accent2>
+      <a:accent3>
+        <a:srgbClr val="A5A5A5"/>
+      </a:accent3>
+      <a:accent4>
+        <a:srgbClr val="FFC000"/>
+      </a:accent4>
+      <a:accent5>
+        <a:srgbClr val="4472C4"/>
+      </a:accent5>
+      <a:accent6>
+        <a:srgbClr val="70AD47"/>
+      </a:accent6>
+      <a:hlink>
+        <a:srgbClr val="0563C1"/>
+      </a:hlink>
+      <a:folHlink>
+        <a:srgbClr val="954F72"/>
+      </a:folHlink>
+    </a:clrScheme>
+    <a:fontScheme name="Office">
+      <a:majorFont>
+        <a:latin typeface="Calibri Light" panose="020F0302020204030204"/>
+        <a:ea typeface=""/>
+        <a:cs typeface=""/>
+        <a:font script="Jpan" typeface="游ゴシック Light"/>
+        <a:font script="Hang" typeface="맑은 고딕"/>
+        <a:font script="Hans" typeface="等线 Light"/>
+        <a:font script="Hant" typeface="新細明體"/>
+        <a:font script="Arab" typeface="Times New Roman"/>
+        <a:font script="Hebr" typeface="Times New Roman"/>
+        <a:font script="Thai" typeface="Angsana New"/>
+        <a:font script="Ethi" typeface="Nyala"/>
+        <a:font script="Beng" typeface="Vrinda"/>
+        <a:font script="Gujr" typeface="Shruti"/>
+        <a:font script="Khmr" typeface="MoolBoran"/>
+        <a:font script="Knda" typeface="Tunga"/>
+        <a:font script="Guru" typeface="Raavi"/>
+        <a:font script="Cans" typeface="Euphemia"/>
+        <a:font script="Cher" typeface="Plantagenet Cherokee"/>
+        <a:font script="Yiii" typeface="Microsoft Yi Baiti"/>
+        <a:font script="Tibt" typeface="Microsoft Himalaya"/>
+        <a:font script="Thaa" typeface="MV Boli"/>
+        <a:font script="Deva" typeface="Mangal"/>
+        <a:font script="Telu" typeface="Gautami"/>
+        <a:font script="Taml" typeface="Latha"/>
+        <a:font script="Syrc" typeface="Estrangelo Edessa"/>
+        <a:font script="Orya" typeface="Kalinga"/>
+        <a:font script="Mlym" typeface="Kartika"/>
+        <a:font script="Laoo" typeface="DokChampa"/>
+        <a:font script="Sinh" typeface="Iskoola Pota"/>
+        <a:font script="Mong" typeface="Mongolian Baiti"/>
+        <a:font script="Viet" typeface="Times New Roman"/>
+        <a:font script="Uigh" typeface="Microsoft Uighur"/>
+        <a:font script="Geor" typeface="Sylfaen"/>
+      </a:majorFont>
+      <a:minorFont>
+        <a:latin typeface="Calibri" panose="020F0502020204030204"/>
+        <a:ea typeface=""/>
+        <a:cs typeface=""/>
+        <a:font script="Jpan" typeface="游ゴシック"/>
+        <a:font script="Hang" typeface="맑은 고딕"/>
+        <a:font script="Hans" typeface="等线"/>
+        <a:font script="Hant" typeface="新細明體"/>
+        <a:font script="Arab" typeface="Arial"/>
+        <a:font script="Hebr" typeface="Arial"/>
+        <a:font script="Thai" typeface="Cordia New"/>
+        <a:font script="Ethi" typeface="Nyala"/>
+        <a:font script="Beng" typeface="Vrinda"/>
+        <a:font script="Gujr" typeface="Shruti"/>
+        <a:font script="Khmr" typeface="DaunPenh"/>
+        <a:font script="Knda" typeface="Tunga"/>
+        <a:font script="Guru" typeface="Raavi"/>
+        <a:font script="Cans" typeface="Euphemia"/>
+        <a:font script="Cher" typeface="Plantagenet Cherokee"/>
+        <a:font script="Yiii" typeface="Microsoft Yi Baiti"/>
+        <a:font script="Tibt" typeface="Microsoft Himalaya"/>
+        <a:font script="Thaa" typeface="MV Boli"/>
+        <a:font script="Deva" typeface="Mangal"/>
+        <a:font script="Telu" typeface="Gautami"/>
+        <a:font script="Taml" typeface="Latha"/>
+        <a:font script="Syrc" typeface="Estrangelo Edessa"/>
+        <a:font script="Orya" typeface="Kalinga"/>
+        <a:font script="Mlym" typeface="Kartika"/>
+        <a:font script="Laoo" typeface="DokChampa"/>
+        <a:font script="Sinh" typeface="Iskoola Pota"/>
+        <a:font script="Mong" typeface="Mongolian Baiti"/>
+        <a:font script="Viet" typeface="Arial"/>
+        <a:font script="Uigh" typeface="Microsoft Uighur"/>
+        <a:font script="Geor" typeface="Sylfaen"/>
+      </a:minorFont>
+    </a:fontScheme>
+    <a:fmtScheme name="Office">
+      <a:fillStyleLst>
+        <a:solidFill>
+          <a:schemeClr val="phClr"/>
+        </a:solidFill>
+        <a:gradFill rotWithShape="1">
+          <a:gsLst>
+            <a:gs pos="0">
+              <a:schemeClr val="phClr">
+                <a:lumMod val="110000"/>
+                <a:satMod val="105000"/>
+                <a:tint val="67000"/>
+              </a:schemeClr>
+            </a:gs>
+            <a:gs pos="50000">
+              <a:schemeClr val="phClr">
+                <a:lumMod val="105000"/>
+                <a:satMod val="103000"/>
+                <a:tint val="73000"/>
+              </a:schemeClr>
+            </a:gs>
+            <a:gs pos="100000">
+              <a:schemeClr val="phClr">
+                <a:lumMod val="105000"/>
+                <a:satMod val="109000"/>
+                <a:tint val="81000"/>
+              </a:schemeClr>
+            </a:gs>
+          </a:gsLst>
+          <a:lin ang="5400000" scaled="0"/>
+        </a:gradFill>
+        <a:gradFill rotWithShape="1">
+          <a:gsLst>
+            <a:gs pos="0">
+              <a:schemeClr val="phClr">
+                <a:satMod val="103000"/>
+                <a:lumMod val="102000"/>
+                <a:tint val="94000"/>
+              </a:schemeClr>
+            </a:gs>
+            <a:gs pos="50000">
+              <a:schemeClr val="phClr">
+                <a:satMod val="110000"/>
+                <a:lumMod val="100000"/>
+                <a:shade val="100000"/>
+              </a:schemeClr>
+            </a:gs>
+            <a:gs pos="100000">
+              <a:schemeClr val="phClr">
+                <a:lumMod val="99000"/>
+                <a:satMod val="120000"/>
+                <a:shade val="78000"/>
+              </a:schemeClr>
+            </a:gs>
+          </a:gsLst>
+          <a:lin ang="5400000" scaled="0"/>
+        </a:gradFill>
+      </a:fillStyleLst>
+      <a:lnStyleLst>
+        <a:ln w="6350" cap="flat" cmpd="sng" algn="ctr">
+          <a:solidFill>
+            <a:schemeClr val="phClr"/>
+          </a:solidFill>
+          <a:prstDash val="solid"/>
+          <a:miter lim="800000"/>
+        </a:ln>
+        <a:ln w="12700" cap="flat" cmpd="sng" algn="ctr">
+          <a:solidFill>
+            <a:schemeClr val="phClr"/>
+          </a:solidFill>
+          <a:prstDash val="solid"/>
+          <a:miter lim="800000"/>
+        </a:ln>
+        <a:ln w="19050" cap="flat" cmpd="sng" algn="ctr">
+          <a:solidFill>
+            <a:schemeClr val="phClr"/>
+          </a:solidFill>
+          <a:prstDash val="solid"/>
+          <a:miter lim="800000"/>
+        </a:ln>
+      </a:lnStyleLst>
+      <a:effectStyleLst>
+        <a:effectStyle>
+          <a:effectLst/>
+        </a:effectStyle>
+        <a:effectStyle>
+          <a:effectLst/>
+        </a:effectStyle>
+        <a:effectStyle>
+          <a:effectLst>
+            <a:outerShdw blurRad="57150" dist="19050" dir="5400000" algn="ctr" rotWithShape="0">
+              <a:srgbClr val="000000">
+                <a:alpha val="63000"/>
+              </a:srgbClr>
+            </a:outerShdw>
+          </a:effectLst>
+        </a:effectStyle>
+      </a:effectStyleLst>
+      <a:bgFillStyleLst>
+        <a:solidFill>
+          <a:schemeClr val="phClr"/>
+        </a:solidFill>
+        <a:solidFill>
+          <a:schemeClr val="phClr">
+            <a:tint val="95000"/>
+            <a:satMod val="170000"/>
+          </a:schemeClr>
+        </a:solidFill>
+        <a:gradFill rotWithShape="1">
+          <a:gsLst>
+            <a:gs pos="0">
+              <a:schemeClr val="phClr">
+                <a:tint val="93000"/>
+                <a:satMod val="150000"/>
+                <a:shade val="98000"/>
+                <a:lumMod val="102000"/>
+              </a:schemeClr>
+            </a:gs>
+            <a:gs pos="50000">
+              <a:schemeClr val="phClr">
+                <a:tint val="98000"/>
+                <a:satMod val="130000"/>
+                <a:shade val="90000"/>
+                <a:lumMod val="103000"/>
+              </a:schemeClr>
+            </a:gs>
+            <a:gs pos="100000">
+              <a:schemeClr val="phClr">
+                <a:shade val="63000"/>
+                <a:satMod val="120000"/>
+              </a:schemeClr>
+            </a:gs>
+          </a:gsLst>
+          <a:lin ang="5400000" scaled="0"/>
+        </a:gradFill>
+      </a:bgFillStyleLst>
+    </a:fmtScheme>
+  </a:themeElements>
+  <a:objectDefaults/>
+  <a:extraClrSchemeLst/>
+  <a:extLst>
+    <a:ext uri="{05A4C25C-085E-4340-85A3-A5531E510DB2}">
+      <thm15:themeFamily xmlns:thm15="http://schemas.microsoft.com/office/thememl/2012/main" name="Office Theme" id="{62F939B6-93AF-4DB8-9C6B-D6C7DFDC589F}" vid="{4A3C46E8-61CC-4603-A589-7422A47A8E4A}"/>
+    </a:ext>
+  </a:extLst>
+</a:theme>
 </file>